--- a/sem-1/ECAP448/ECAP448-LECTURES-PPT/ECAP448_U06_T04_PowerPoint.pptx
+++ b/sem-1/ECAP448/ECAP448-LECTURES-PPT/ECAP448_U06_T04_PowerPoint.pptx
@@ -29,16 +29,15 @@
     <p:sldId id="281" r:id="rId23"/>
     <p:sldId id="283" r:id="rId24"/>
     <p:sldId id="284" r:id="rId25"/>
-    <p:sldId id="285" r:id="rId26"/>
-    <p:sldId id="286" r:id="rId27"/>
-    <p:sldId id="287" r:id="rId28"/>
-    <p:sldId id="288" r:id="rId29"/>
-    <p:sldId id="289" r:id="rId30"/>
-    <p:sldId id="290" r:id="rId31"/>
-    <p:sldId id="291" r:id="rId32"/>
-    <p:sldId id="292" r:id="rId33"/>
-    <p:sldId id="293" r:id="rId34"/>
-    <p:sldId id="262" r:id="rId35"/>
+    <p:sldId id="286" r:id="rId26"/>
+    <p:sldId id="287" r:id="rId27"/>
+    <p:sldId id="288" r:id="rId28"/>
+    <p:sldId id="289" r:id="rId29"/>
+    <p:sldId id="290" r:id="rId30"/>
+    <p:sldId id="291" r:id="rId31"/>
+    <p:sldId id="292" r:id="rId32"/>
+    <p:sldId id="293" r:id="rId33"/>
+    <p:sldId id="262" r:id="rId34"/>
   </p:sldIdLst>
   <p:sldSz cx="9144000" cy="6858000" type="screen4x3"/>
   <p:notesSz cx="6858000" cy="9144000"/>
@@ -1441,7 +1440,7 @@
               <a:pPr>
                 <a:defRPr/>
               </a:pPr>
-              <a:t>3/22/2021</a:t>
+              <a:t>7/1/23</a:t>
             </a:fld>
             <a:endParaRPr lang="en-US"/>
           </a:p>
@@ -1746,7 +1745,7 @@
               <a:pPr>
                 <a:defRPr/>
               </a:pPr>
-              <a:t>3/22/2021</a:t>
+              <a:t>7/1/23</a:t>
             </a:fld>
             <a:endParaRPr lang="en-US"/>
           </a:p>
@@ -1961,7 +1960,7 @@
               <a:pPr>
                 <a:defRPr/>
               </a:pPr>
-              <a:t>3/22/2021</a:t>
+              <a:t>7/1/23</a:t>
             </a:fld>
             <a:endParaRPr lang="en-US"/>
           </a:p>
@@ -2186,7 +2185,7 @@
               <a:pPr>
                 <a:defRPr/>
               </a:pPr>
-              <a:t>3/22/2021</a:t>
+              <a:t>7/1/23</a:t>
             </a:fld>
             <a:endParaRPr lang="en-US"/>
           </a:p>
@@ -3566,7 +3565,7 @@
               <a:pPr>
                 <a:defRPr/>
               </a:pPr>
-              <a:t>3/22/2021</a:t>
+              <a:t>7/1/23</a:t>
             </a:fld>
             <a:endParaRPr lang="en-US"/>
           </a:p>
@@ -3873,7 +3872,7 @@
               <a:pPr>
                 <a:defRPr/>
               </a:pPr>
-              <a:t>3/22/2021</a:t>
+              <a:t>7/1/23</a:t>
             </a:fld>
             <a:endParaRPr lang="en-US"/>
           </a:p>
@@ -4285,7 +4284,7 @@
               <a:pPr>
                 <a:defRPr/>
               </a:pPr>
-              <a:t>3/22/2021</a:t>
+              <a:t>7/1/23</a:t>
             </a:fld>
             <a:endParaRPr lang="en-US"/>
           </a:p>
@@ -4448,7 +4447,7 @@
               <a:pPr>
                 <a:defRPr/>
               </a:pPr>
-              <a:t>3/22/2021</a:t>
+              <a:t>7/1/23</a:t>
             </a:fld>
             <a:endParaRPr lang="en-US"/>
           </a:p>
@@ -4778,7 +4777,7 @@
               <a:pPr>
                 <a:defRPr/>
               </a:pPr>
-              <a:t>3/22/2021</a:t>
+              <a:t>7/1/23</a:t>
             </a:fld>
             <a:endParaRPr lang="en-US"/>
           </a:p>
@@ -8019,7 +8018,7 @@
           <p:cNvPr id="2" name="Title 1">
             <a:extLst>
               <a:ext uri="{FF2B5EF4-FFF2-40B4-BE49-F238E27FC236}">
-                <a16:creationId xmlns:a16="http://schemas.microsoft.com/office/drawing/2014/main" id="{0E3AC8B3-8196-4121-AD8A-2791E82886C1}"/>
+                <a16:creationId xmlns:a16="http://schemas.microsoft.com/office/drawing/2014/main" id="{7F778607-CB2E-451A-9DF6-C83EDE7001FB}"/>
               </a:ext>
             </a:extLst>
           </p:cNvPr>
@@ -8052,10 +8051,10 @@
       </p:sp>
       <p:pic>
         <p:nvPicPr>
-          <p:cNvPr id="34819" name="Content Placeholder 3" descr="File18.JPG">
-            <a:extLst>
-              <a:ext uri="{FF2B5EF4-FFF2-40B4-BE49-F238E27FC236}">
-                <a16:creationId xmlns:a16="http://schemas.microsoft.com/office/drawing/2014/main" id="{B610E548-88C1-456F-A74A-FB020F963194}"/>
+          <p:cNvPr id="35843" name="Content Placeholder 3" descr="File19.JPG">
+            <a:extLst>
+              <a:ext uri="{FF2B5EF4-FFF2-40B4-BE49-F238E27FC236}">
+                <a16:creationId xmlns:a16="http://schemas.microsoft.com/office/drawing/2014/main" id="{CB3D9F5E-9444-43CD-B451-1DA0F0B38919}"/>
               </a:ext>
             </a:extLst>
           </p:cNvPr>
@@ -8081,8 +8080,8 @@
         </p:blipFill>
         <p:spPr>
           <a:xfrm>
-            <a:off x="1466850" y="1562100"/>
-            <a:ext cx="6372225" cy="4867275"/>
+            <a:off x="1471613" y="1576388"/>
+            <a:ext cx="6362700" cy="4838700"/>
           </a:xfrm>
           <a:effectLst>
             <a:outerShdw blurRad="63500" sx="102000" sy="102000" algn="ctr" rotWithShape="0">
@@ -8123,7 +8122,7 @@
           <p:cNvPr id="2" name="Title 1">
             <a:extLst>
               <a:ext uri="{FF2B5EF4-FFF2-40B4-BE49-F238E27FC236}">
-                <a16:creationId xmlns:a16="http://schemas.microsoft.com/office/drawing/2014/main" id="{7F778607-CB2E-451A-9DF6-C83EDE7001FB}"/>
+                <a16:creationId xmlns:a16="http://schemas.microsoft.com/office/drawing/2014/main" id="{9EF4FDEE-85FD-447F-8FF4-966194342BC5}"/>
               </a:ext>
             </a:extLst>
           </p:cNvPr>
@@ -8143,60 +8142,68 @@
               <a:defRPr/>
             </a:pPr>
             <a:r>
+              <a:rPr lang="en-US" dirty="0" err="1"/>
+              <a:t>Setuid</a:t>
+            </a:r>
+            <a:r>
               <a:rPr lang="en-US" dirty="0"/>
-              <a:t>Numeric Arguments to </a:t>
+              <a:t> and </a:t>
             </a:r>
             <a:r>
               <a:rPr lang="en-US" dirty="0" err="1"/>
-              <a:t>chmod</a:t>
-            </a:r>
-            <a:endParaRPr lang="en-US" dirty="0"/>
-          </a:p>
-        </p:txBody>
-      </p:sp>
-      <p:pic>
-        <p:nvPicPr>
-          <p:cNvPr id="35843" name="Content Placeholder 3" descr="File19.JPG">
-            <a:extLst>
-              <a:ext uri="{FF2B5EF4-FFF2-40B4-BE49-F238E27FC236}">
-                <a16:creationId xmlns:a16="http://schemas.microsoft.com/office/drawing/2014/main" id="{CB3D9F5E-9444-43CD-B451-1DA0F0B38919}"/>
-              </a:ext>
-            </a:extLst>
-          </p:cNvPr>
-          <p:cNvPicPr>
-            <a:picLocks noGrp="1" noChangeAspect="1" noChangeArrowheads="1"/>
-          </p:cNvPicPr>
+              <a:t>Setgid</a:t>
+            </a:r>
+            <a:r>
+              <a:rPr lang="en-US" dirty="0"/>
+              <a:t> Permissions</a:t>
+            </a:r>
+          </a:p>
+        </p:txBody>
+      </p:sp>
+      <p:sp>
+        <p:nvSpPr>
+          <p:cNvPr id="36867" name="Content Placeholder 2">
+            <a:extLst>
+              <a:ext uri="{FF2B5EF4-FFF2-40B4-BE49-F238E27FC236}">
+                <a16:creationId xmlns:a16="http://schemas.microsoft.com/office/drawing/2014/main" id="{9332740C-3C78-446B-9A2D-1075FE4FC9A0}"/>
+              </a:ext>
+            </a:extLst>
+          </p:cNvPr>
+          <p:cNvSpPr>
+            <a:spLocks noGrp="1"/>
+          </p:cNvSpPr>
           <p:nvPr>
             <p:ph idx="1"/>
           </p:nvPr>
-        </p:nvPicPr>
-        <p:blipFill>
-          <a:blip r:embed="rId2">
-            <a:extLst>
-              <a:ext uri="{28A0092B-C50C-407E-A947-70E740481C1C}">
-                <a14:useLocalDpi xmlns:a14="http://schemas.microsoft.com/office/drawing/2010/main" val="0"/>
-              </a:ext>
-            </a:extLst>
-          </a:blip>
-          <a:srcRect/>
-          <a:stretch>
-            <a:fillRect/>
-          </a:stretch>
-        </p:blipFill>
-        <p:spPr>
-          <a:xfrm>
-            <a:off x="1471613" y="1576388"/>
-            <a:ext cx="6362700" cy="4838700"/>
-          </a:xfrm>
-          <a:effectLst>
-            <a:outerShdw blurRad="63500" sx="102000" sy="102000" algn="ctr" rotWithShape="0">
-              <a:prstClr val="black">
-                <a:alpha val="40000"/>
-              </a:prstClr>
-            </a:outerShdw>
-          </a:effectLst>
-        </p:spPr>
-      </p:pic>
+        </p:nvSpPr>
+        <p:spPr/>
+        <p:txBody>
+          <a:bodyPr/>
+          <a:lstStyle/>
+          <a:p>
+            <a:pPr algn="just" eaLnBrk="1" hangingPunct="1">
+              <a:lnSpc>
+                <a:spcPct val="150000"/>
+              </a:lnSpc>
+            </a:pPr>
+            <a:r>
+              <a:rPr lang="en-US" altLang="en-US"/>
+              <a:t>When you execute a file that has setuid (set user ID) permission, the process executing the file takes on the privileges of the file’s owner. </a:t>
+            </a:r>
+          </a:p>
+          <a:p>
+            <a:pPr algn="just" eaLnBrk="1" hangingPunct="1">
+              <a:lnSpc>
+                <a:spcPct val="150000"/>
+              </a:lnSpc>
+            </a:pPr>
+            <a:r>
+              <a:rPr lang="en-US" altLang="en-US"/>
+              <a:t>For example, if you run a setuid program that removes all files in a directory, you can remove files in any of the file owner’s directories, even if you do not normally have permission to do so. </a:t>
+            </a:r>
+          </a:p>
+        </p:txBody>
+      </p:sp>
     </p:spTree>
   </p:cSld>
   <p:clrMapOvr>
@@ -8227,7 +8234,7 @@
           <p:cNvPr id="2" name="Title 1">
             <a:extLst>
               <a:ext uri="{FF2B5EF4-FFF2-40B4-BE49-F238E27FC236}">
-                <a16:creationId xmlns:a16="http://schemas.microsoft.com/office/drawing/2014/main" id="{9EF4FDEE-85FD-447F-8FF4-966194342BC5}"/>
+                <a16:creationId xmlns:a16="http://schemas.microsoft.com/office/drawing/2014/main" id="{D051555A-4B97-467B-84B6-33AFE4601A6F}"/>
               </a:ext>
             </a:extLst>
           </p:cNvPr>
@@ -8267,10 +8274,10 @@
       </p:sp>
       <p:sp>
         <p:nvSpPr>
-          <p:cNvPr id="36867" name="Content Placeholder 2">
-            <a:extLst>
-              <a:ext uri="{FF2B5EF4-FFF2-40B4-BE49-F238E27FC236}">
-                <a16:creationId xmlns:a16="http://schemas.microsoft.com/office/drawing/2014/main" id="{9332740C-3C78-446B-9A2D-1075FE4FC9A0}"/>
+          <p:cNvPr id="37891" name="Content Placeholder 2">
+            <a:extLst>
+              <a:ext uri="{FF2B5EF4-FFF2-40B4-BE49-F238E27FC236}">
+                <a16:creationId xmlns:a16="http://schemas.microsoft.com/office/drawing/2014/main" id="{750C937B-A867-4918-89C4-0B2233E0D37B}"/>
               </a:ext>
             </a:extLst>
           </p:cNvPr>
@@ -8286,26 +8293,27 @@
           <a:bodyPr/>
           <a:lstStyle/>
           <a:p>
-            <a:pPr algn="just" eaLnBrk="1" hangingPunct="1">
+            <a:pPr marL="0" indent="0" algn="just" eaLnBrk="1" hangingPunct="1">
               <a:lnSpc>
                 <a:spcPct val="150000"/>
               </a:lnSpc>
+              <a:buFont typeface="Arial" panose="020B0604020202020204" pitchFamily="34" charset="0"/>
+              <a:buNone/>
             </a:pPr>
             <a:r>
               <a:rPr lang="en-US" altLang="en-US"/>
-              <a:t>When you execute a file that has setuid (set user ID) permission, the process executing the file takes on the privileges of the file’s owner. </a:t>
-            </a:r>
-          </a:p>
-          <a:p>
-            <a:pPr algn="just" eaLnBrk="1" hangingPunct="1">
+              <a:t>In a similar manner, setgid (set group ID) permission gives the process executing the file the privileges of the group the file is associated with.</a:t>
+            </a:r>
+          </a:p>
+          <a:p>
+            <a:pPr marL="0" indent="0" algn="just" eaLnBrk="1" hangingPunct="1">
               <a:lnSpc>
                 <a:spcPct val="150000"/>
               </a:lnSpc>
-            </a:pPr>
-            <a:r>
-              <a:rPr lang="en-US" altLang="en-US"/>
-              <a:t>For example, if you run a setuid program that removes all files in a directory, you can remove files in any of the file owner’s directories, even if you do not normally have permission to do so. </a:t>
-            </a:r>
+              <a:buFont typeface="Arial" panose="020B0604020202020204" pitchFamily="34" charset="0"/>
+              <a:buNone/>
+            </a:pPr>
+            <a:endParaRPr lang="en-US" altLang="en-US"/>
           </a:p>
         </p:txBody>
       </p:sp>
@@ -8339,7 +8347,7 @@
           <p:cNvPr id="2" name="Title 1">
             <a:extLst>
               <a:ext uri="{FF2B5EF4-FFF2-40B4-BE49-F238E27FC236}">
-                <a16:creationId xmlns:a16="http://schemas.microsoft.com/office/drawing/2014/main" id="{D051555A-4B97-467B-84B6-33AFE4601A6F}"/>
+                <a16:creationId xmlns:a16="http://schemas.microsoft.com/office/drawing/2014/main" id="{B093D10E-5502-4AA8-BA58-3FC5AFFABAB8}"/>
               </a:ext>
             </a:extLst>
           </p:cNvPr>
@@ -8359,30 +8367,18 @@
               <a:defRPr/>
             </a:pPr>
             <a:r>
-              <a:rPr lang="en-US" dirty="0" err="1"/>
-              <a:t>Setuid</a:t>
-            </a:r>
-            <a:r>
               <a:rPr lang="en-US" dirty="0"/>
-              <a:t> and </a:t>
-            </a:r>
-            <a:r>
-              <a:rPr lang="en-US" dirty="0" err="1"/>
-              <a:t>Setgid</a:t>
-            </a:r>
-            <a:r>
-              <a:rPr lang="en-US" dirty="0"/>
-              <a:t> Permissions</a:t>
-            </a:r>
-          </a:p>
-        </p:txBody>
-      </p:sp>
-      <p:sp>
-        <p:nvSpPr>
-          <p:cNvPr id="37891" name="Content Placeholder 2">
-            <a:extLst>
-              <a:ext uri="{FF2B5EF4-FFF2-40B4-BE49-F238E27FC236}">
-                <a16:creationId xmlns:a16="http://schemas.microsoft.com/office/drawing/2014/main" id="{750C937B-A867-4918-89C4-0B2233E0D37B}"/>
+              <a:t>Directory Access Permissions</a:t>
+            </a:r>
+          </a:p>
+        </p:txBody>
+      </p:sp>
+      <p:sp>
+        <p:nvSpPr>
+          <p:cNvPr id="38915" name="Content Placeholder 2">
+            <a:extLst>
+              <a:ext uri="{FF2B5EF4-FFF2-40B4-BE49-F238E27FC236}">
+                <a16:creationId xmlns:a16="http://schemas.microsoft.com/office/drawing/2014/main" id="{07024DEF-452A-43A5-AB54-A92D644E5543}"/>
               </a:ext>
             </a:extLst>
           </p:cNvPr>
@@ -8398,27 +8394,26 @@
           <a:bodyPr/>
           <a:lstStyle/>
           <a:p>
-            <a:pPr marL="0" indent="0" algn="just" eaLnBrk="1" hangingPunct="1">
+            <a:pPr algn="just" eaLnBrk="1" hangingPunct="1">
               <a:lnSpc>
                 <a:spcPct val="150000"/>
               </a:lnSpc>
-              <a:buFont typeface="Arial" panose="020B0604020202020204" pitchFamily="34" charset="0"/>
-              <a:buNone/>
             </a:pPr>
             <a:r>
               <a:rPr lang="en-US" altLang="en-US"/>
-              <a:t>In a similar manner, setgid (set group ID) permission gives the process executing the file the privileges of the group the file is associated with.</a:t>
-            </a:r>
-          </a:p>
-          <a:p>
-            <a:pPr marL="0" indent="0" algn="just" eaLnBrk="1" hangingPunct="1">
+              <a:t>Access permissions have slightly different meanings when they are used with directories.</a:t>
+            </a:r>
+          </a:p>
+          <a:p>
+            <a:pPr algn="just" eaLnBrk="1" hangingPunct="1">
               <a:lnSpc>
                 <a:spcPct val="150000"/>
               </a:lnSpc>
-              <a:buFont typeface="Arial" panose="020B0604020202020204" pitchFamily="34" charset="0"/>
-              <a:buNone/>
-            </a:pPr>
-            <a:endParaRPr lang="en-US" altLang="en-US"/>
+            </a:pPr>
+            <a:r>
+              <a:rPr lang="en-US" altLang="en-US"/>
+              <a:t>Although the three types of users can read from or write to a directory, the directory cannot be executed.</a:t>
+            </a:r>
           </a:p>
         </p:txBody>
       </p:sp>
@@ -8452,7 +8447,7 @@
           <p:cNvPr id="2" name="Title 1">
             <a:extLst>
               <a:ext uri="{FF2B5EF4-FFF2-40B4-BE49-F238E27FC236}">
-                <a16:creationId xmlns:a16="http://schemas.microsoft.com/office/drawing/2014/main" id="{B093D10E-5502-4AA8-BA58-3FC5AFFABAB8}"/>
+                <a16:creationId xmlns:a16="http://schemas.microsoft.com/office/drawing/2014/main" id="{0F9E48A7-6124-4705-93EC-5E4851A7DABE}"/>
               </a:ext>
             </a:extLst>
           </p:cNvPr>
@@ -8480,10 +8475,10 @@
       </p:sp>
       <p:sp>
         <p:nvSpPr>
-          <p:cNvPr id="38915" name="Content Placeholder 2">
-            <a:extLst>
-              <a:ext uri="{FF2B5EF4-FFF2-40B4-BE49-F238E27FC236}">
-                <a16:creationId xmlns:a16="http://schemas.microsoft.com/office/drawing/2014/main" id="{07024DEF-452A-43A5-AB54-A92D644E5543}"/>
+          <p:cNvPr id="39939" name="Content Placeholder 2">
+            <a:extLst>
+              <a:ext uri="{FF2B5EF4-FFF2-40B4-BE49-F238E27FC236}">
+                <a16:creationId xmlns:a16="http://schemas.microsoft.com/office/drawing/2014/main" id="{9FF8BB19-9EEB-4EF8-AC63-39FA7C370EC5}"/>
               </a:ext>
             </a:extLst>
           </p:cNvPr>
@@ -8506,7 +8501,7 @@
             </a:pPr>
             <a:r>
               <a:rPr lang="en-US" altLang="en-US"/>
-              <a:t>Access permissions have slightly different meanings when they are used with directories.</a:t>
+              <a:t>Execute permission is redefined for a directory: It means that you can cd into the directory and/or examine files that you have permission to read from in the directory. </a:t>
             </a:r>
           </a:p>
           <a:p>
@@ -8517,7 +8512,7 @@
             </a:pPr>
             <a:r>
               <a:rPr lang="en-US" altLang="en-US"/>
-              <a:t>Although the three types of users can read from or write to a directory, the directory cannot be executed.</a:t>
+              <a:t>It has nothing to do with executing a file.</a:t>
             </a:r>
           </a:p>
         </p:txBody>
@@ -8670,7 +8665,7 @@
           <p:cNvPr id="2" name="Title 1">
             <a:extLst>
               <a:ext uri="{FF2B5EF4-FFF2-40B4-BE49-F238E27FC236}">
-                <a16:creationId xmlns:a16="http://schemas.microsoft.com/office/drawing/2014/main" id="{0F9E48A7-6124-4705-93EC-5E4851A7DABE}"/>
+                <a16:creationId xmlns:a16="http://schemas.microsoft.com/office/drawing/2014/main" id="{D691527A-32B5-4927-879E-4C27FB17D1D2}"/>
               </a:ext>
             </a:extLst>
           </p:cNvPr>
@@ -8698,10 +8693,10 @@
       </p:sp>
       <p:sp>
         <p:nvSpPr>
-          <p:cNvPr id="39939" name="Content Placeholder 2">
-            <a:extLst>
-              <a:ext uri="{FF2B5EF4-FFF2-40B4-BE49-F238E27FC236}">
-                <a16:creationId xmlns:a16="http://schemas.microsoft.com/office/drawing/2014/main" id="{9FF8BB19-9EEB-4EF8-AC63-39FA7C370EC5}"/>
+          <p:cNvPr id="40963" name="Content Placeholder 2">
+            <a:extLst>
+              <a:ext uri="{FF2B5EF4-FFF2-40B4-BE49-F238E27FC236}">
+                <a16:creationId xmlns:a16="http://schemas.microsoft.com/office/drawing/2014/main" id="{87A04ABA-4BB5-4F2A-9D47-9BC443905F8D}"/>
               </a:ext>
             </a:extLst>
           </p:cNvPr>
@@ -8717,25 +8712,16 @@
           <a:bodyPr/>
           <a:lstStyle/>
           <a:p>
-            <a:pPr algn="just" eaLnBrk="1" hangingPunct="1">
+            <a:pPr marL="0" indent="0" algn="just" eaLnBrk="1" hangingPunct="1">
               <a:lnSpc>
                 <a:spcPct val="150000"/>
               </a:lnSpc>
+              <a:buFont typeface="Arial" panose="020B0604020202020204" pitchFamily="34" charset="0"/>
+              <a:buNone/>
             </a:pPr>
             <a:r>
               <a:rPr lang="en-US" altLang="en-US"/>
-              <a:t>Execute permission is redefined for a directory: It means that you can cd into the directory and/or examine files that you have permission to read from in the directory. </a:t>
-            </a:r>
-          </a:p>
-          <a:p>
-            <a:pPr algn="just" eaLnBrk="1" hangingPunct="1">
-              <a:lnSpc>
-                <a:spcPct val="150000"/>
-              </a:lnSpc>
-            </a:pPr>
-            <a:r>
-              <a:rPr lang="en-US" altLang="en-US"/>
-              <a:t>It has nothing to do with executing a file.</a:t>
+              <a:t>When you have only execute permission for a directory, you can use ls to list a file in the directory if you know its name. You cannot use ls without an argument to list the entire contents of the directory.</a:t>
             </a:r>
           </a:p>
         </p:txBody>
@@ -8749,97 +8735,6 @@
 </file>
 
 <file path=ppt/slides/slide31.xml><?xml version="1.0" encoding="utf-8"?>
-<p:sld xmlns:a="http://schemas.openxmlformats.org/drawingml/2006/main" xmlns:r="http://schemas.openxmlformats.org/officeDocument/2006/relationships" xmlns:p="http://schemas.openxmlformats.org/presentationml/2006/main">
-  <p:cSld>
-    <p:spTree>
-      <p:nvGrpSpPr>
-        <p:cNvPr id="1" name=""/>
-        <p:cNvGrpSpPr/>
-        <p:nvPr/>
-      </p:nvGrpSpPr>
-      <p:grpSpPr>
-        <a:xfrm>
-          <a:off x="0" y="0"/>
-          <a:ext cx="0" cy="0"/>
-          <a:chOff x="0" y="0"/>
-          <a:chExt cx="0" cy="0"/>
-        </a:xfrm>
-      </p:grpSpPr>
-      <p:sp>
-        <p:nvSpPr>
-          <p:cNvPr id="2" name="Title 1">
-            <a:extLst>
-              <a:ext uri="{FF2B5EF4-FFF2-40B4-BE49-F238E27FC236}">
-                <a16:creationId xmlns:a16="http://schemas.microsoft.com/office/drawing/2014/main" id="{D691527A-32B5-4927-879E-4C27FB17D1D2}"/>
-              </a:ext>
-            </a:extLst>
-          </p:cNvPr>
-          <p:cNvSpPr>
-            <a:spLocks noGrp="1"/>
-          </p:cNvSpPr>
-          <p:nvPr>
-            <p:ph type="title"/>
-          </p:nvPr>
-        </p:nvSpPr>
-        <p:spPr/>
-        <p:txBody>
-          <a:bodyPr rtlCol="0"/>
-          <a:lstStyle/>
-          <a:p>
-            <a:pPr eaLnBrk="1" fontAlgn="auto" hangingPunct="1">
-              <a:defRPr/>
-            </a:pPr>
-            <a:r>
-              <a:rPr lang="en-US" dirty="0"/>
-              <a:t>Directory Access Permissions</a:t>
-            </a:r>
-          </a:p>
-        </p:txBody>
-      </p:sp>
-      <p:sp>
-        <p:nvSpPr>
-          <p:cNvPr id="40963" name="Content Placeholder 2">
-            <a:extLst>
-              <a:ext uri="{FF2B5EF4-FFF2-40B4-BE49-F238E27FC236}">
-                <a16:creationId xmlns:a16="http://schemas.microsoft.com/office/drawing/2014/main" id="{87A04ABA-4BB5-4F2A-9D47-9BC443905F8D}"/>
-              </a:ext>
-            </a:extLst>
-          </p:cNvPr>
-          <p:cNvSpPr>
-            <a:spLocks noGrp="1"/>
-          </p:cNvSpPr>
-          <p:nvPr>
-            <p:ph idx="1"/>
-          </p:nvPr>
-        </p:nvSpPr>
-        <p:spPr/>
-        <p:txBody>
-          <a:bodyPr/>
-          <a:lstStyle/>
-          <a:p>
-            <a:pPr marL="0" indent="0" algn="just" eaLnBrk="1" hangingPunct="1">
-              <a:lnSpc>
-                <a:spcPct val="150000"/>
-              </a:lnSpc>
-              <a:buFont typeface="Arial" panose="020B0604020202020204" pitchFamily="34" charset="0"/>
-              <a:buNone/>
-            </a:pPr>
-            <a:r>
-              <a:rPr lang="en-US" altLang="en-US"/>
-              <a:t>When you have only execute permission for a directory, you can use ls to list a file in the directory if you know its name. You cannot use ls without an argument to list the entire contents of the directory.</a:t>
-            </a:r>
-          </a:p>
-        </p:txBody>
-      </p:sp>
-    </p:spTree>
-  </p:cSld>
-  <p:clrMapOvr>
-    <a:masterClrMapping/>
-  </p:clrMapOvr>
-</p:sld>
-</file>
-
-<file path=ppt/slides/slide32.xml><?xml version="1.0" encoding="utf-8"?>
 <p:sld xmlns:a="http://schemas.openxmlformats.org/drawingml/2006/main" xmlns:r="http://schemas.openxmlformats.org/officeDocument/2006/relationships" xmlns:p="http://schemas.openxmlformats.org/presentationml/2006/main">
   <p:cSld>
     <p:spTree>
@@ -8938,7 +8833,7 @@
 </p:sld>
 </file>
 
-<file path=ppt/slides/slide33.xml><?xml version="1.0" encoding="utf-8"?>
+<file path=ppt/slides/slide32.xml><?xml version="1.0" encoding="utf-8"?>
 <p:sld xmlns:a="http://schemas.openxmlformats.org/drawingml/2006/main" xmlns:r="http://schemas.openxmlformats.org/officeDocument/2006/relationships" xmlns:p="http://schemas.openxmlformats.org/presentationml/2006/main">
   <p:cSld>
     <p:spTree>
@@ -9038,7 +8933,7 @@
 </p:sld>
 </file>
 
-<file path=ppt/slides/slide34.xml><?xml version="1.0" encoding="utf-8"?>
+<file path=ppt/slides/slide33.xml><?xml version="1.0" encoding="utf-8"?>
 <p:sld xmlns:a="http://schemas.openxmlformats.org/drawingml/2006/main" xmlns:r="http://schemas.openxmlformats.org/officeDocument/2006/relationships" xmlns:p="http://schemas.openxmlformats.org/presentationml/2006/main">
   <p:cSld>
     <p:spTree>
